--- a/User_Stories/UserStory_Login.pptx
+++ b/User_Stories/UserStory_Login.pptx
@@ -263,7 +263,7 @@
           <a:p>
             <a:fld id="{A9C71CFA-85E6-5B49-90BC-73D7B455B842}" type="datetimeFigureOut">
               <a:rPr lang="fr-FR" smtClean="0"/>
-              <a:t>26/07/2023</a:t>
+              <a:t>28/07/2023</a:t>
             </a:fld>
             <a:endParaRPr lang="fr-FR"/>
           </a:p>
@@ -461,7 +461,7 @@
           <a:p>
             <a:fld id="{A9C71CFA-85E6-5B49-90BC-73D7B455B842}" type="datetimeFigureOut">
               <a:rPr lang="fr-FR" smtClean="0"/>
-              <a:t>26/07/2023</a:t>
+              <a:t>28/07/2023</a:t>
             </a:fld>
             <a:endParaRPr lang="fr-FR"/>
           </a:p>
@@ -669,7 +669,7 @@
           <a:p>
             <a:fld id="{A9C71CFA-85E6-5B49-90BC-73D7B455B842}" type="datetimeFigureOut">
               <a:rPr lang="fr-FR" smtClean="0"/>
-              <a:t>26/07/2023</a:t>
+              <a:t>28/07/2023</a:t>
             </a:fld>
             <a:endParaRPr lang="fr-FR"/>
           </a:p>
@@ -867,7 +867,7 @@
           <a:p>
             <a:fld id="{A9C71CFA-85E6-5B49-90BC-73D7B455B842}" type="datetimeFigureOut">
               <a:rPr lang="fr-FR" smtClean="0"/>
-              <a:t>26/07/2023</a:t>
+              <a:t>28/07/2023</a:t>
             </a:fld>
             <a:endParaRPr lang="fr-FR"/>
           </a:p>
@@ -1142,7 +1142,7 @@
           <a:p>
             <a:fld id="{A9C71CFA-85E6-5B49-90BC-73D7B455B842}" type="datetimeFigureOut">
               <a:rPr lang="fr-FR" smtClean="0"/>
-              <a:t>26/07/2023</a:t>
+              <a:t>28/07/2023</a:t>
             </a:fld>
             <a:endParaRPr lang="fr-FR"/>
           </a:p>
@@ -1407,7 +1407,7 @@
           <a:p>
             <a:fld id="{A9C71CFA-85E6-5B49-90BC-73D7B455B842}" type="datetimeFigureOut">
               <a:rPr lang="fr-FR" smtClean="0"/>
-              <a:t>26/07/2023</a:t>
+              <a:t>28/07/2023</a:t>
             </a:fld>
             <a:endParaRPr lang="fr-FR"/>
           </a:p>
@@ -1819,7 +1819,7 @@
           <a:p>
             <a:fld id="{A9C71CFA-85E6-5B49-90BC-73D7B455B842}" type="datetimeFigureOut">
               <a:rPr lang="fr-FR" smtClean="0"/>
-              <a:t>26/07/2023</a:t>
+              <a:t>28/07/2023</a:t>
             </a:fld>
             <a:endParaRPr lang="fr-FR"/>
           </a:p>
@@ -1960,7 +1960,7 @@
           <a:p>
             <a:fld id="{A9C71CFA-85E6-5B49-90BC-73D7B455B842}" type="datetimeFigureOut">
               <a:rPr lang="fr-FR" smtClean="0"/>
-              <a:t>26/07/2023</a:t>
+              <a:t>28/07/2023</a:t>
             </a:fld>
             <a:endParaRPr lang="fr-FR"/>
           </a:p>
@@ -2073,7 +2073,7 @@
           <a:p>
             <a:fld id="{A9C71CFA-85E6-5B49-90BC-73D7B455B842}" type="datetimeFigureOut">
               <a:rPr lang="fr-FR" smtClean="0"/>
-              <a:t>26/07/2023</a:t>
+              <a:t>28/07/2023</a:t>
             </a:fld>
             <a:endParaRPr lang="fr-FR"/>
           </a:p>
@@ -2384,7 +2384,7 @@
           <a:p>
             <a:fld id="{A9C71CFA-85E6-5B49-90BC-73D7B455B842}" type="datetimeFigureOut">
               <a:rPr lang="fr-FR" smtClean="0"/>
-              <a:t>26/07/2023</a:t>
+              <a:t>28/07/2023</a:t>
             </a:fld>
             <a:endParaRPr lang="fr-FR"/>
           </a:p>
@@ -2672,7 +2672,7 @@
           <a:p>
             <a:fld id="{A9C71CFA-85E6-5B49-90BC-73D7B455B842}" type="datetimeFigureOut">
               <a:rPr lang="fr-FR" smtClean="0"/>
-              <a:t>26/07/2023</a:t>
+              <a:t>28/07/2023</a:t>
             </a:fld>
             <a:endParaRPr lang="fr-FR"/>
           </a:p>
@@ -2913,7 +2913,7 @@
           <a:p>
             <a:fld id="{A9C71CFA-85E6-5B49-90BC-73D7B455B842}" type="datetimeFigureOut">
               <a:rPr lang="fr-FR" smtClean="0"/>
-              <a:t>26/07/2023</a:t>
+              <a:t>28/07/2023</a:t>
             </a:fld>
             <a:endParaRPr lang="fr-FR"/>
           </a:p>
@@ -4746,7 +4746,7 @@
           <p:nvPr>
             <p:extLst>
               <p:ext uri="{D42A27DB-BD31-4B8C-83A1-F6EECF244321}">
-                <p14:modId xmlns:p14="http://schemas.microsoft.com/office/powerpoint/2010/main" val="2335106699"/>
+                <p14:modId xmlns:p14="http://schemas.microsoft.com/office/powerpoint/2010/main" val="2092477632"/>
               </p:ext>
             </p:extLst>
           </p:nvPr>
@@ -5763,7 +5763,7 @@
                           <a:ea typeface="+mn-ea"/>
                           <a:cs typeface="+mn-cs"/>
                         </a:rPr>
-                        <a:t>saisis mon adresse e-mail et mon mot de passe</a:t>
+                        <a:t>que je clique sur 'login'</a:t>
                       </a:r>
                     </a:p>
                     <a:p>
